--- a/Explanation.pptx
+++ b/Explanation.pptx
@@ -8415,7 +8415,7 @@
           <a:p>
             <a:r>
               <a:rPr lang="en-US" dirty="0"/>
-              <a:t>Finally, we are generating BLUE and METEOR scores for each question and calculating the median and averages</a:t>
+              <a:t>Finally, we are generating BLUE and METEOR scores for each question and calculating the averages</a:t>
             </a:r>
           </a:p>
         </p:txBody>
@@ -8531,7 +8531,7 @@
           <a:p>
             <a:r>
               <a:rPr lang="en-US" dirty="0"/>
-              <a:t>Running inference on BERT</a:t>
+              <a:t>Running inference on BERT2BERT</a:t>
             </a:r>
           </a:p>
         </p:txBody>
@@ -8561,7 +8561,7 @@
           <a:p>
             <a:r>
               <a:rPr lang="en-US" sz="2400" dirty="0"/>
-              <a:t>Our BERT model code is similar to that of our T5 model code. The major difference is we fetched our model from Hugging Face directly instead of a </a:t>
+              <a:t>Our BERT2BERT model code is similar to that of our T5 model code. The major difference is we fetched our model from Hugging Face directly instead of a </a:t>
             </a:r>
             <a:r>
               <a:rPr lang="en-US" sz="2400" dirty="0" err="1"/>
@@ -8575,7 +8575,7 @@
           <a:p>
             <a:r>
               <a:rPr lang="en-US" sz="2400" dirty="0"/>
-              <a:t>Here is the link to the pre-trained BERT model that we used: </a:t>
+              <a:t>Here is the link to the pre-trained BERT2BERT model that we used: </a:t>
             </a:r>
             <a:r>
               <a:rPr lang="en-US" sz="2400" dirty="0">
